--- a/3-methods/Proposed methods.pptx
+++ b/3-methods/Proposed methods.pptx
@@ -133,7 +133,7 @@
 <file path=ppt/revisionInfo.xml><?xml version="1.0" encoding="utf-8"?>
 <p1510:revInfo xmlns:a="http://schemas.openxmlformats.org/drawingml/2006/main" xmlns:r="http://schemas.openxmlformats.org/officeDocument/2006/relationships" xmlns:p1510="http://schemas.microsoft.com/office/powerpoint/2015/10/main">
   <p1510:revLst>
-    <p1510:client id="{C9B83F13-34B8-49C9-B759-38F7AF2AAD27}" v="2" dt="2024-02-08T18:01:29.416"/>
+    <p1510:client id="{2A957F71-2BCE-4D95-B182-A0879B202618}" v="1" dt="2024-04-12T03:05:45.068"/>
   </p1510:revLst>
 </p1510:revInfo>
 </file>
@@ -310,6 +310,46 @@
       </pc:sldChg>
     </pc:docChg>
   </pc:docChgLst>
+  <pc:docChgLst>
+    <pc:chgData name="O'Loughlin, Connor C" userId="9f8385d1-79f9-4371-8f80-dd274b837333" providerId="ADAL" clId="{2A957F71-2BCE-4D95-B182-A0879B202618}"/>
+    <pc:docChg chg="custSel modSld">
+      <pc:chgData name="O'Loughlin, Connor C" userId="9f8385d1-79f9-4371-8f80-dd274b837333" providerId="ADAL" clId="{2A957F71-2BCE-4D95-B182-A0879B202618}" dt="2024-04-12T06:09:14.162" v="8" actId="478"/>
+      <pc:docMkLst>
+        <pc:docMk/>
+      </pc:docMkLst>
+      <pc:sldChg chg="addSp delSp modSp mod">
+        <pc:chgData name="O'Loughlin, Connor C" userId="9f8385d1-79f9-4371-8f80-dd274b837333" providerId="ADAL" clId="{2A957F71-2BCE-4D95-B182-A0879B202618}" dt="2024-04-12T06:09:14.162" v="8" actId="478"/>
+        <pc:sldMkLst>
+          <pc:docMk/>
+          <pc:sldMk cId="704072035" sldId="257"/>
+        </pc:sldMkLst>
+        <pc:spChg chg="add del mod">
+          <ac:chgData name="O'Loughlin, Connor C" userId="9f8385d1-79f9-4371-8f80-dd274b837333" providerId="ADAL" clId="{2A957F71-2BCE-4D95-B182-A0879B202618}" dt="2024-04-12T06:09:11.866" v="7" actId="478"/>
+          <ac:spMkLst>
+            <pc:docMk/>
+            <pc:sldMk cId="704072035" sldId="257"/>
+            <ac:spMk id="5" creationId="{FAD29FC1-C66B-0A3B-A969-3A3959AE408E}"/>
+          </ac:spMkLst>
+        </pc:spChg>
+        <pc:spChg chg="add del mod">
+          <ac:chgData name="O'Loughlin, Connor C" userId="9f8385d1-79f9-4371-8f80-dd274b837333" providerId="ADAL" clId="{2A957F71-2BCE-4D95-B182-A0879B202618}" dt="2024-04-12T03:07:29.049" v="3" actId="478"/>
+          <ac:spMkLst>
+            <pc:docMk/>
+            <pc:sldMk cId="704072035" sldId="257"/>
+            <ac:spMk id="6" creationId="{01D812A6-8C6E-8280-2B6D-654B941FB06B}"/>
+          </ac:spMkLst>
+        </pc:spChg>
+        <pc:cxnChg chg="add del mod">
+          <ac:chgData name="O'Loughlin, Connor C" userId="9f8385d1-79f9-4371-8f80-dd274b837333" providerId="ADAL" clId="{2A957F71-2BCE-4D95-B182-A0879B202618}" dt="2024-04-12T06:09:14.162" v="8" actId="478"/>
+          <ac:cxnSpMkLst>
+            <pc:docMk/>
+            <pc:sldMk cId="704072035" sldId="257"/>
+            <ac:cxnSpMk id="8" creationId="{A6DB4299-C0E0-9054-A007-FBEC804EA32A}"/>
+          </ac:cxnSpMkLst>
+        </pc:cxnChg>
+      </pc:sldChg>
+    </pc:docChg>
+  </pc:docChgLst>
 </pc:chgInfo>
 </file>
 
@@ -395,7 +435,7 @@
           <a:p>
             <a:fld id="{5366E8D0-C3C3-42B4-988D-851C778F921D}" type="datetimeFigureOut">
               <a:rPr lang="en-US" smtClean="0"/>
-              <a:t>2/14/2024</a:t>
+              <a:t>4/11/2024</a:t>
             </a:fld>
             <a:endParaRPr lang="en-US"/>
           </a:p>
@@ -1249,7 +1289,7 @@
           <a:p>
             <a:fld id="{6B327602-CBE8-4A7C-A9A5-4A9D58A33218}" type="datetimeFigureOut">
               <a:rPr lang="en-US" smtClean="0"/>
-              <a:t>2/14/2024</a:t>
+              <a:t>4/11/2024</a:t>
             </a:fld>
             <a:endParaRPr lang="en-US"/>
           </a:p>
@@ -1447,7 +1487,7 @@
           <a:p>
             <a:fld id="{6B327602-CBE8-4A7C-A9A5-4A9D58A33218}" type="datetimeFigureOut">
               <a:rPr lang="en-US" smtClean="0"/>
-              <a:t>2/14/2024</a:t>
+              <a:t>4/11/2024</a:t>
             </a:fld>
             <a:endParaRPr lang="en-US"/>
           </a:p>
@@ -1655,7 +1695,7 @@
           <a:p>
             <a:fld id="{6B327602-CBE8-4A7C-A9A5-4A9D58A33218}" type="datetimeFigureOut">
               <a:rPr lang="en-US" smtClean="0"/>
-              <a:t>2/14/2024</a:t>
+              <a:t>4/11/2024</a:t>
             </a:fld>
             <a:endParaRPr lang="en-US"/>
           </a:p>
@@ -1853,7 +1893,7 @@
           <a:p>
             <a:fld id="{6B327602-CBE8-4A7C-A9A5-4A9D58A33218}" type="datetimeFigureOut">
               <a:rPr lang="en-US" smtClean="0"/>
-              <a:t>2/14/2024</a:t>
+              <a:t>4/11/2024</a:t>
             </a:fld>
             <a:endParaRPr lang="en-US"/>
           </a:p>
@@ -2128,7 +2168,7 @@
           <a:p>
             <a:fld id="{6B327602-CBE8-4A7C-A9A5-4A9D58A33218}" type="datetimeFigureOut">
               <a:rPr lang="en-US" smtClean="0"/>
-              <a:t>2/14/2024</a:t>
+              <a:t>4/11/2024</a:t>
             </a:fld>
             <a:endParaRPr lang="en-US"/>
           </a:p>
@@ -2393,7 +2433,7 @@
           <a:p>
             <a:fld id="{6B327602-CBE8-4A7C-A9A5-4A9D58A33218}" type="datetimeFigureOut">
               <a:rPr lang="en-US" smtClean="0"/>
-              <a:t>2/14/2024</a:t>
+              <a:t>4/11/2024</a:t>
             </a:fld>
             <a:endParaRPr lang="en-US"/>
           </a:p>
@@ -2805,7 +2845,7 @@
           <a:p>
             <a:fld id="{6B327602-CBE8-4A7C-A9A5-4A9D58A33218}" type="datetimeFigureOut">
               <a:rPr lang="en-US" smtClean="0"/>
-              <a:t>2/14/2024</a:t>
+              <a:t>4/11/2024</a:t>
             </a:fld>
             <a:endParaRPr lang="en-US"/>
           </a:p>
@@ -2946,7 +2986,7 @@
           <a:p>
             <a:fld id="{6B327602-CBE8-4A7C-A9A5-4A9D58A33218}" type="datetimeFigureOut">
               <a:rPr lang="en-US" smtClean="0"/>
-              <a:t>2/14/2024</a:t>
+              <a:t>4/11/2024</a:t>
             </a:fld>
             <a:endParaRPr lang="en-US"/>
           </a:p>
@@ -3059,7 +3099,7 @@
           <a:p>
             <a:fld id="{6B327602-CBE8-4A7C-A9A5-4A9D58A33218}" type="datetimeFigureOut">
               <a:rPr lang="en-US" smtClean="0"/>
-              <a:t>2/14/2024</a:t>
+              <a:t>4/11/2024</a:t>
             </a:fld>
             <a:endParaRPr lang="en-US"/>
           </a:p>
@@ -3370,7 +3410,7 @@
           <a:p>
             <a:fld id="{6B327602-CBE8-4A7C-A9A5-4A9D58A33218}" type="datetimeFigureOut">
               <a:rPr lang="en-US" smtClean="0"/>
-              <a:t>2/14/2024</a:t>
+              <a:t>4/11/2024</a:t>
             </a:fld>
             <a:endParaRPr lang="en-US"/>
           </a:p>
@@ -3658,7 +3698,7 @@
           <a:p>
             <a:fld id="{6B327602-CBE8-4A7C-A9A5-4A9D58A33218}" type="datetimeFigureOut">
               <a:rPr lang="en-US" smtClean="0"/>
-              <a:t>2/14/2024</a:t>
+              <a:t>4/11/2024</a:t>
             </a:fld>
             <a:endParaRPr lang="en-US"/>
           </a:p>
@@ -3899,7 +3939,7 @@
           <a:p>
             <a:fld id="{6B327602-CBE8-4A7C-A9A5-4A9D58A33218}" type="datetimeFigureOut">
               <a:rPr lang="en-US" smtClean="0"/>
-              <a:t>2/14/2024</a:t>
+              <a:t>4/11/2024</a:t>
             </a:fld>
             <a:endParaRPr lang="en-US"/>
           </a:p>
